--- a/2020-WebDev_js.pptx
+++ b/2020-WebDev_js.pptx
@@ -83,30 +83,31 @@
     <p:sldId id="328" r:id="rId78"/>
     <p:sldId id="329" r:id="rId79"/>
     <p:sldId id="330" r:id="rId80"/>
+    <p:sldId id="331" r:id="rId81"/>
   </p:sldIdLst>
   <p:sldSz cy="5143500" cx="9144000"/>
   <p:notesSz cx="6858000" cy="9144000"/>
   <p:embeddedFontLst>
     <p:embeddedFont>
       <p:font typeface="Roboto Slab"/>
-      <p:regular r:id="rId81"/>
-      <p:bold r:id="rId82"/>
+      <p:regular r:id="rId82"/>
+      <p:bold r:id="rId83"/>
     </p:embeddedFont>
     <p:embeddedFont>
       <p:font typeface="Raleway"/>
-      <p:regular r:id="rId83"/>
-      <p:bold r:id="rId84"/>
-      <p:italic r:id="rId85"/>
-      <p:boldItalic r:id="rId86"/>
+      <p:regular r:id="rId84"/>
+      <p:bold r:id="rId85"/>
+      <p:italic r:id="rId86"/>
+      <p:boldItalic r:id="rId87"/>
     </p:embeddedFont>
     <p:embeddedFont>
       <p:font typeface="Average"/>
-      <p:regular r:id="rId87"/>
+      <p:regular r:id="rId88"/>
     </p:embeddedFont>
     <p:embeddedFont>
       <p:font typeface="Oswald"/>
-      <p:regular r:id="rId88"/>
-      <p:bold r:id="rId89"/>
+      <p:regular r:id="rId89"/>
+      <p:bold r:id="rId90"/>
     </p:embeddedFont>
   </p:embeddedFontLst>
   <p:defaultTextStyle>
@@ -7966,6 +7967,105 @@
       <p:sp>
         <p:nvSpPr>
           <p:cNvPr id="650" name="Google Shape;650;g7132e3acc9_0_110:notes"/>
+          <p:cNvSpPr txBox="1"/>
+          <p:nvPr>
+            <p:ph idx="1" type="body"/>
+          </p:nvPr>
+        </p:nvSpPr>
+        <p:spPr>
+          <a:xfrm>
+            <a:off x="685800" y="4343400"/>
+            <a:ext cx="5486400" cy="4114800"/>
+          </a:xfrm>
+          <a:prstGeom prst="rect">
+            <a:avLst/>
+          </a:prstGeom>
+        </p:spPr>
+        <p:txBody>
+          <a:bodyPr anchorCtr="0" anchor="t" bIns="91425" lIns="91425" spcFirstLastPara="1" rIns="91425" wrap="square" tIns="91425">
+            <a:noAutofit/>
+          </a:bodyPr>
+          <a:lstStyle/>
+          <a:p>
+            <a:pPr indent="0" lvl="0" marL="0" rtl="0" algn="l">
+              <a:spcBef>
+                <a:spcPts val="0"/>
+              </a:spcBef>
+              <a:spcAft>
+                <a:spcPts val="0"/>
+              </a:spcAft>
+              <a:buNone/>
+            </a:pPr>
+            <a:r>
+              <a:t/>
+            </a:r>
+            <a:endParaRPr/>
+          </a:p>
+        </p:txBody>
+      </p:sp>
+    </p:spTree>
+  </p:cSld>
+  <p:clrMapOvr>
+    <a:masterClrMapping/>
+  </p:clrMapOvr>
+</p:notes>
+</file>
+
+<file path=ppt/notesSlides/notesSlide76.xml><?xml version="1.0" encoding="utf-8"?>
+<p:notes xmlns:a="http://schemas.openxmlformats.org/drawingml/2006/main" xmlns:r="http://schemas.openxmlformats.org/officeDocument/2006/relationships" xmlns:mc="http://schemas.openxmlformats.org/markup-compatibility/2006" xmlns:mv="urn:schemas-microsoft-com:mac:vml" xmlns:p="http://schemas.openxmlformats.org/presentationml/2006/main" xmlns:c="http://schemas.openxmlformats.org/drawingml/2006/chart" xmlns:dgm="http://schemas.openxmlformats.org/drawingml/2006/diagram" xmlns:o="urn:schemas-microsoft-com:office:office" xmlns:v="urn:schemas-microsoft-com:vml" xmlns:pvml="urn:schemas-microsoft-com:office:powerpoint" xmlns:com="http://schemas.openxmlformats.org/drawingml/2006/compatibility" xmlns:p14="http://schemas.microsoft.com/office/powerpoint/2010/main" xmlns:p15="http://schemas.microsoft.com/office/powerpoint/2012/main" showMasterPhAnim="0" showMasterSp="0">
+  <p:cSld>
+    <p:spTree>
+      <p:nvGrpSpPr>
+        <p:cNvPr id="656" name="Shape 656"/>
+        <p:cNvGrpSpPr/>
+        <p:nvPr/>
+      </p:nvGrpSpPr>
+      <p:grpSpPr>
+        <a:xfrm>
+          <a:off x="0" y="0"/>
+          <a:ext cx="0" cy="0"/>
+          <a:chOff x="0" y="0"/>
+          <a:chExt cx="0" cy="0"/>
+        </a:xfrm>
+      </p:grpSpPr>
+      <p:sp>
+        <p:nvSpPr>
+          <p:cNvPr id="657" name="Google Shape;657;g7132e3acc9_0_119:notes"/>
+          <p:cNvSpPr/>
+          <p:nvPr>
+            <p:ph idx="2" type="sldImg"/>
+          </p:nvPr>
+        </p:nvSpPr>
+        <p:spPr>
+          <a:xfrm>
+            <a:off x="381300" y="685800"/>
+            <a:ext cx="6096000" cy="3429000"/>
+          </a:xfrm>
+          <a:custGeom>
+            <a:rect b="b" l="l" r="r" t="t"/>
+            <a:pathLst>
+              <a:path extrusionOk="0" h="120000" w="120000">
+                <a:moveTo>
+                  <a:pt x="0" y="0"/>
+                </a:moveTo>
+                <a:lnTo>
+                  <a:pt x="120000" y="0"/>
+                </a:lnTo>
+                <a:lnTo>
+                  <a:pt x="120000" y="120000"/>
+                </a:lnTo>
+                <a:lnTo>
+                  <a:pt x="0" y="120000"/>
+                </a:lnTo>
+                <a:close/>
+              </a:path>
+            </a:pathLst>
+          </a:custGeom>
+        </p:spPr>
+      </p:sp>
+      <p:sp>
+        <p:nvSpPr>
+          <p:cNvPr id="658" name="Google Shape;658;g7132e3acc9_0_119:notes"/>
           <p:cNvSpPr txBox="1"/>
           <p:nvPr>
             <p:ph idx="1" type="body"/>
@@ -34058,6 +34158,269 @@
 </p:sld>
 </file>
 
+<file path=ppt/slides/slide76.xml><?xml version="1.0" encoding="utf-8"?>
+<p:sld xmlns:a="http://schemas.openxmlformats.org/drawingml/2006/main" xmlns:r="http://schemas.openxmlformats.org/officeDocument/2006/relationships" xmlns:mc="http://schemas.openxmlformats.org/markup-compatibility/2006" xmlns:mv="urn:schemas-microsoft-com:mac:vml" xmlns:p="http://schemas.openxmlformats.org/presentationml/2006/main" xmlns:c="http://schemas.openxmlformats.org/drawingml/2006/chart" xmlns:dgm="http://schemas.openxmlformats.org/drawingml/2006/diagram" xmlns:o="urn:schemas-microsoft-com:office:office" xmlns:v="urn:schemas-microsoft-com:vml" xmlns:pvml="urn:schemas-microsoft-com:office:powerpoint" xmlns:com="http://schemas.openxmlformats.org/drawingml/2006/compatibility" xmlns:p14="http://schemas.microsoft.com/office/powerpoint/2010/main" xmlns:p15="http://schemas.microsoft.com/office/powerpoint/2012/main">
+  <p:cSld>
+    <p:spTree>
+      <p:nvGrpSpPr>
+        <p:cNvPr id="659" name="Shape 659"/>
+        <p:cNvGrpSpPr/>
+        <p:nvPr/>
+      </p:nvGrpSpPr>
+      <p:grpSpPr>
+        <a:xfrm>
+          <a:off x="0" y="0"/>
+          <a:ext cx="0" cy="0"/>
+          <a:chOff x="0" y="0"/>
+          <a:chExt cx="0" cy="0"/>
+        </a:xfrm>
+      </p:grpSpPr>
+      <p:sp>
+        <p:nvSpPr>
+          <p:cNvPr id="660" name="Google Shape;660;p88"/>
+          <p:cNvSpPr txBox="1"/>
+          <p:nvPr>
+            <p:ph type="title"/>
+          </p:nvPr>
+        </p:nvSpPr>
+        <p:spPr>
+          <a:xfrm>
+            <a:off x="671250" y="2141250"/>
+            <a:ext cx="7852200" cy="861000"/>
+          </a:xfrm>
+          <a:prstGeom prst="rect">
+            <a:avLst/>
+          </a:prstGeom>
+        </p:spPr>
+        <p:txBody>
+          <a:bodyPr anchorCtr="0" anchor="ctr" bIns="91425" lIns="91425" spcFirstLastPara="1" rIns="91425" wrap="square" tIns="91425">
+            <a:noAutofit/>
+          </a:bodyPr>
+          <a:lstStyle/>
+          <a:p>
+            <a:pPr indent="0" lvl="0" marL="0" rtl="0" algn="ctr">
+              <a:spcBef>
+                <a:spcPts val="0"/>
+              </a:spcBef>
+              <a:spcAft>
+                <a:spcPts val="0"/>
+              </a:spcAft>
+              <a:buNone/>
+            </a:pPr>
+            <a:r>
+              <a:rPr lang="en"/>
+              <a:t>Callback Function</a:t>
+            </a:r>
+            <a:endParaRPr/>
+          </a:p>
+        </p:txBody>
+      </p:sp>
+      <p:sp>
+        <p:nvSpPr>
+          <p:cNvPr id="661" name="Google Shape;661;p88"/>
+          <p:cNvSpPr txBox="1"/>
+          <p:nvPr>
+            <p:ph idx="12" type="sldNum"/>
+          </p:nvPr>
+        </p:nvSpPr>
+        <p:spPr>
+          <a:xfrm>
+            <a:off x="8490250" y="4681009"/>
+            <a:ext cx="548700" cy="393600"/>
+          </a:xfrm>
+          <a:prstGeom prst="rect">
+            <a:avLst/>
+          </a:prstGeom>
+        </p:spPr>
+        <p:txBody>
+          <a:bodyPr anchorCtr="0" anchor="ctr" bIns="91425" lIns="91425" spcFirstLastPara="1" rIns="91425" wrap="square" tIns="91425">
+            <a:noAutofit/>
+          </a:bodyPr>
+          <a:lstStyle/>
+          <a:p>
+            <a:pPr indent="0" lvl="0" marL="0" rtl="0" algn="r">
+              <a:spcBef>
+                <a:spcPts val="0"/>
+              </a:spcBef>
+              <a:spcAft>
+                <a:spcPts val="0"/>
+              </a:spcAft>
+              <a:buNone/>
+            </a:pPr>
+            <a:fld id="{00000000-1234-1234-1234-123412341234}" type="slidenum">
+              <a:rPr lang="en"/>
+              <a:t>‹#›</a:t>
+            </a:fld>
+            <a:endParaRPr/>
+          </a:p>
+        </p:txBody>
+      </p:sp>
+      <p:sp>
+        <p:nvSpPr>
+          <p:cNvPr id="662" name="Google Shape;662;p88"/>
+          <p:cNvSpPr txBox="1"/>
+          <p:nvPr/>
+        </p:nvSpPr>
+        <p:spPr>
+          <a:xfrm>
+            <a:off x="224475" y="146400"/>
+            <a:ext cx="468600" cy="234300"/>
+          </a:xfrm>
+          <a:prstGeom prst="rect">
+            <a:avLst/>
+          </a:prstGeom>
+          <a:noFill/>
+          <a:ln>
+            <a:noFill/>
+          </a:ln>
+        </p:spPr>
+        <p:txBody>
+          <a:bodyPr anchorCtr="0" anchor="t" bIns="91425" lIns="91425" spcFirstLastPara="1" rIns="91425" wrap="square" tIns="91425">
+            <a:noAutofit/>
+          </a:bodyPr>
+          <a:lstStyle/>
+          <a:p>
+            <a:pPr indent="0" lvl="0" marL="0" rtl="0" algn="l">
+              <a:spcBef>
+                <a:spcPts val="0"/>
+              </a:spcBef>
+              <a:spcAft>
+                <a:spcPts val="0"/>
+              </a:spcAft>
+              <a:buNone/>
+            </a:pPr>
+            <a:r>
+              <a:rPr lang="en" sz="1800">
+                <a:solidFill>
+                  <a:srgbClr val="FFFFFF"/>
+                </a:solidFill>
+                <a:latin typeface="Average"/>
+                <a:ea typeface="Average"/>
+                <a:cs typeface="Average"/>
+                <a:sym typeface="Average"/>
+              </a:rPr>
+              <a:t>-3-</a:t>
+            </a:r>
+            <a:endParaRPr sz="1800">
+              <a:solidFill>
+                <a:srgbClr val="FFFFFF"/>
+              </a:solidFill>
+              <a:latin typeface="Average"/>
+              <a:ea typeface="Average"/>
+              <a:cs typeface="Average"/>
+              <a:sym typeface="Average"/>
+            </a:endParaRPr>
+          </a:p>
+        </p:txBody>
+      </p:sp>
+      <p:sp>
+        <p:nvSpPr>
+          <p:cNvPr id="663" name="Google Shape;663;p88"/>
+          <p:cNvSpPr txBox="1"/>
+          <p:nvPr/>
+        </p:nvSpPr>
+        <p:spPr>
+          <a:xfrm>
+            <a:off x="506100" y="2930725"/>
+            <a:ext cx="2777700" cy="1023900"/>
+          </a:xfrm>
+          <a:prstGeom prst="rect">
+            <a:avLst/>
+          </a:prstGeom>
+          <a:noFill/>
+          <a:ln>
+            <a:noFill/>
+          </a:ln>
+        </p:spPr>
+        <p:txBody>
+          <a:bodyPr anchorCtr="0" anchor="t" bIns="91425" lIns="91425" spcFirstLastPara="1" rIns="91425" wrap="square" tIns="91425">
+            <a:noAutofit/>
+          </a:bodyPr>
+          <a:lstStyle/>
+          <a:p>
+            <a:pPr indent="-317500" lvl="0" marL="457200" rtl="0" algn="l">
+              <a:spcBef>
+                <a:spcPts val="0"/>
+              </a:spcBef>
+              <a:spcAft>
+                <a:spcPts val="0"/>
+              </a:spcAft>
+              <a:buClr>
+                <a:srgbClr val="FFFF00"/>
+              </a:buClr>
+              <a:buSzPts val="1400"/>
+              <a:buFont typeface="Average"/>
+              <a:buChar char="●"/>
+            </a:pPr>
+            <a:r>
+              <a:rPr lang="en">
+                <a:solidFill>
+                  <a:srgbClr val="FFFF00"/>
+                </a:solidFill>
+                <a:latin typeface="Average"/>
+                <a:ea typeface="Average"/>
+                <a:cs typeface="Average"/>
+                <a:sym typeface="Average"/>
+              </a:rPr>
+              <a:t>callback.html</a:t>
+            </a:r>
+            <a:endParaRPr>
+              <a:solidFill>
+                <a:srgbClr val="FFFF00"/>
+              </a:solidFill>
+              <a:latin typeface="Average"/>
+              <a:ea typeface="Average"/>
+              <a:cs typeface="Average"/>
+              <a:sym typeface="Average"/>
+            </a:endParaRPr>
+          </a:p>
+          <a:p>
+            <a:pPr indent="-317500" lvl="0" marL="457200" rtl="0" algn="l">
+              <a:spcBef>
+                <a:spcPts val="0"/>
+              </a:spcBef>
+              <a:spcAft>
+                <a:spcPts val="0"/>
+              </a:spcAft>
+              <a:buClr>
+                <a:srgbClr val="FFFF00"/>
+              </a:buClr>
+              <a:buSzPts val="1400"/>
+              <a:buFont typeface="Average"/>
+              <a:buChar char="●"/>
+            </a:pPr>
+            <a:r>
+              <a:rPr lang="en">
+                <a:solidFill>
+                  <a:srgbClr val="FFFF00"/>
+                </a:solidFill>
+                <a:latin typeface="Average"/>
+                <a:ea typeface="Average"/>
+                <a:cs typeface="Average"/>
+                <a:sym typeface="Average"/>
+              </a:rPr>
+              <a:t>callback0.js &amp; callback1.js</a:t>
+            </a:r>
+            <a:endParaRPr>
+              <a:solidFill>
+                <a:srgbClr val="FFFF00"/>
+              </a:solidFill>
+              <a:latin typeface="Average"/>
+              <a:ea typeface="Average"/>
+              <a:cs typeface="Average"/>
+              <a:sym typeface="Average"/>
+            </a:endParaRPr>
+          </a:p>
+        </p:txBody>
+      </p:sp>
+    </p:spTree>
+  </p:cSld>
+  <p:clrMapOvr>
+    <a:masterClrMapping/>
+  </p:clrMapOvr>
+</p:sld>
+</file>
+
 <file path=ppt/slides/slide8.xml><?xml version="1.0" encoding="utf-8"?>
 <p:sld xmlns:a="http://schemas.openxmlformats.org/drawingml/2006/main" xmlns:r="http://schemas.openxmlformats.org/officeDocument/2006/relationships" xmlns:mc="http://schemas.openxmlformats.org/markup-compatibility/2006" xmlns:mv="urn:schemas-microsoft-com:mac:vml" xmlns:p="http://schemas.openxmlformats.org/presentationml/2006/main" xmlns:c="http://schemas.openxmlformats.org/drawingml/2006/chart" xmlns:dgm="http://schemas.openxmlformats.org/drawingml/2006/diagram" xmlns:o="urn:schemas-microsoft-com:office:office" xmlns:v="urn:schemas-microsoft-com:vml" xmlns:pvml="urn:schemas-microsoft-com:office:powerpoint" xmlns:com="http://schemas.openxmlformats.org/drawingml/2006/compatibility" xmlns:p14="http://schemas.microsoft.com/office/powerpoint/2010/main" xmlns:p15="http://schemas.microsoft.com/office/powerpoint/2012/main">
   <p:cSld>

--- a/2020-WebDev_js.pptx
+++ b/2020-WebDev_js.pptx
@@ -34321,8 +34321,8 @@
         </p:nvSpPr>
         <p:spPr>
           <a:xfrm>
-            <a:off x="506100" y="2930725"/>
-            <a:ext cx="2777700" cy="1023900"/>
+            <a:off x="376625" y="3248500"/>
+            <a:ext cx="8250900" cy="1636200"/>
           </a:xfrm>
           <a:prstGeom prst="rect">
             <a:avLst/>
@@ -34337,6 +34337,66 @@
             <a:noAutofit/>
           </a:bodyPr>
           <a:lstStyle/>
+          <a:p>
+            <a:pPr indent="-342900" lvl="0" marL="457200" rtl="0" algn="l">
+              <a:spcBef>
+                <a:spcPts val="0"/>
+              </a:spcBef>
+              <a:spcAft>
+                <a:spcPts val="0"/>
+              </a:spcAft>
+              <a:buClr>
+                <a:srgbClr val="FFFF00"/>
+              </a:buClr>
+              <a:buSzPts val="1800"/>
+              <a:buFont typeface="Average"/>
+              <a:buChar char="●"/>
+            </a:pPr>
+            <a:r>
+              <a:rPr lang="en" sz="1800">
+                <a:solidFill>
+                  <a:srgbClr val="FFFF00"/>
+                </a:solidFill>
+                <a:latin typeface="Average"/>
+                <a:ea typeface="Average"/>
+                <a:cs typeface="Average"/>
+                <a:sym typeface="Average"/>
+              </a:rPr>
+              <a:t>A callback function is a function passed into another function as an argument, which is then invoked inside the outer function to complete some kind of routine or action.</a:t>
+            </a:r>
+            <a:endParaRPr sz="1800">
+              <a:solidFill>
+                <a:srgbClr val="FFFF00"/>
+              </a:solidFill>
+              <a:latin typeface="Average"/>
+              <a:ea typeface="Average"/>
+              <a:cs typeface="Average"/>
+              <a:sym typeface="Average"/>
+            </a:endParaRPr>
+          </a:p>
+          <a:p>
+            <a:pPr indent="0" lvl="0" marL="457200" rtl="0" algn="l">
+              <a:spcBef>
+                <a:spcPts val="0"/>
+              </a:spcBef>
+              <a:spcAft>
+                <a:spcPts val="0"/>
+              </a:spcAft>
+              <a:buNone/>
+            </a:pPr>
+            <a:r>
+              <a:t/>
+            </a:r>
+            <a:endParaRPr>
+              <a:solidFill>
+                <a:srgbClr val="FFFF00"/>
+              </a:solidFill>
+              <a:latin typeface="Average"/>
+              <a:ea typeface="Average"/>
+              <a:cs typeface="Average"/>
+              <a:sym typeface="Average"/>
+            </a:endParaRPr>
+          </a:p>
           <a:p>
             <a:pPr indent="-317500" lvl="0" marL="457200" rtl="0" algn="l">
               <a:spcBef>
